--- a/swe_presi.pptx
+++ b/swe_presi.pptx
@@ -235,7 +235,7 @@
             <a:fld id="{52BABB2A-1528-4AAF-9A21-F4370666C7B2}" type="datetimeFigureOut">
               <a:rPr lang="en-JM" smtClean="0"/>
               <a:pPr/>
-              <a:t>19/11/2014</a:t>
+              <a:t>20/11/2014</a:t>
             </a:fld>
             <a:endParaRPr lang="en-JM"/>
           </a:p>
@@ -302,7 +302,7 @@
             <a:fld id="{0338927C-AB49-450F-8967-4AD52E2DC3DA}" type="slidenum">
               <a:rPr lang="en-JM" smtClean="0"/>
               <a:pPr/>
-              <a:t>‹#›</a:t>
+              <a:t>‹Nr.›</a:t>
             </a:fld>
             <a:endParaRPr lang="en-JM"/>
           </a:p>
@@ -402,7 +402,7 @@
             <a:fld id="{D6190015-6979-4CAF-87BC-D33F74A1F261}" type="datetimeFigureOut">
               <a:rPr lang="en-JM" smtClean="0"/>
               <a:pPr/>
-              <a:t>19/11/2014</a:t>
+              <a:t>20/11/2014</a:t>
             </a:fld>
             <a:endParaRPr lang="en-JM"/>
           </a:p>
@@ -564,7 +564,7 @@
             <a:fld id="{379CA0D8-6577-48B2-BA77-88519BAFBFDA}" type="slidenum">
               <a:rPr lang="en-JM" smtClean="0"/>
               <a:pPr/>
-              <a:t>‹#›</a:t>
+              <a:t>‹Nr.›</a:t>
             </a:fld>
             <a:endParaRPr lang="en-JM"/>
           </a:p>
@@ -910,7 +910,7 @@
             <a:fld id="{8DF5134D-7C6B-4A7B-B28B-A8C75F870448}" type="slidenum">
               <a:rPr lang="en-JM" smtClean="0"/>
               <a:pPr/>
-              <a:t>‹#›</a:t>
+              <a:t>‹Nr.›</a:t>
             </a:fld>
             <a:endParaRPr lang="en-JM"/>
           </a:p>
@@ -1020,7 +1020,7 @@
             <a:fld id="{8DF5134D-7C6B-4A7B-B28B-A8C75F870448}" type="slidenum">
               <a:rPr lang="en-JM" smtClean="0"/>
               <a:pPr/>
-              <a:t>‹#›</a:t>
+              <a:t>‹Nr.›</a:t>
             </a:fld>
             <a:endParaRPr lang="en-JM"/>
           </a:p>
@@ -1582,7 +1582,7 @@
             <a:fld id="{8DF5134D-7C6B-4A7B-B28B-A8C75F870448}" type="slidenum">
               <a:rPr lang="en-JM" smtClean="0"/>
               <a:pPr/>
-              <a:t>‹#›</a:t>
+              <a:t>‹Nr.›</a:t>
             </a:fld>
             <a:endParaRPr lang="en-JM"/>
           </a:p>
@@ -2091,7 +2091,7 @@
             <a:fld id="{8DF5134D-7C6B-4A7B-B28B-A8C75F870448}" type="slidenum">
               <a:rPr lang="en-JM" smtClean="0"/>
               <a:pPr/>
-              <a:t>‹#›</a:t>
+              <a:t>‹Nr.›</a:t>
             </a:fld>
             <a:endParaRPr lang="en-JM"/>
           </a:p>
@@ -2492,7 +2492,7 @@
             <a:fld id="{8DF5134D-7C6B-4A7B-B28B-A8C75F870448}" type="slidenum">
               <a:rPr lang="en-JM" smtClean="0"/>
               <a:pPr/>
-              <a:t>‹#›</a:t>
+              <a:t>‹Nr.›</a:t>
             </a:fld>
             <a:endParaRPr lang="en-JM"/>
           </a:p>
@@ -2609,7 +2609,7 @@
             <a:fld id="{8DF5134D-7C6B-4A7B-B28B-A8C75F870448}" type="slidenum">
               <a:rPr lang="en-JM" smtClean="0"/>
               <a:pPr/>
-              <a:t>‹#›</a:t>
+              <a:t>‹Nr.›</a:t>
             </a:fld>
             <a:endParaRPr lang="en-JM"/>
           </a:p>
@@ -2701,7 +2701,7 @@
             <a:fld id="{8DF5134D-7C6B-4A7B-B28B-A8C75F870448}" type="slidenum">
               <a:rPr lang="en-JM" smtClean="0"/>
               <a:pPr/>
-              <a:t>‹#›</a:t>
+              <a:t>‹Nr.›</a:t>
             </a:fld>
             <a:endParaRPr lang="en-JM"/>
           </a:p>
@@ -2840,7 +2840,7 @@
             <a:fld id="{8DF5134D-7C6B-4A7B-B28B-A8C75F870448}" type="slidenum">
               <a:rPr lang="en-JM" smtClean="0"/>
               <a:pPr/>
-              <a:t>‹#›</a:t>
+              <a:t>‹Nr.›</a:t>
             </a:fld>
             <a:endParaRPr lang="en-JM" dirty="0"/>
           </a:p>
@@ -3606,7 +3606,7 @@
             <a:fld id="{8DF5134D-7C6B-4A7B-B28B-A8C75F870448}" type="slidenum">
               <a:rPr lang="en-JM" smtClean="0"/>
               <a:pPr/>
-              <a:t>‹#›</a:t>
+              <a:t>‹Nr.›</a:t>
             </a:fld>
             <a:endParaRPr lang="en-JM" dirty="0"/>
           </a:p>
@@ -3862,7 +3862,7 @@
             <a:fld id="{8DF5134D-7C6B-4A7B-B28B-A8C75F870448}" type="slidenum">
               <a:rPr lang="en-JM" smtClean="0"/>
               <a:pPr/>
-              <a:t>‹#›</a:t>
+              <a:t>‹Nr.›</a:t>
             </a:fld>
             <a:endParaRPr lang="en-JM"/>
           </a:p>
@@ -4395,7 +4395,7 @@
             <a:fld id="{8DF5134D-7C6B-4A7B-B28B-A8C75F870448}" type="slidenum">
               <a:rPr lang="en-JM" smtClean="0"/>
               <a:pPr/>
-              <a:t>‹#›</a:t>
+              <a:t>‹Nr.›</a:t>
             </a:fld>
             <a:endParaRPr lang="en-JM"/>
           </a:p>
@@ -4947,7 +4947,7 @@
             <a:fld id="{8DF5134D-7C6B-4A7B-B28B-A8C75F870448}" type="slidenum">
               <a:rPr lang="en-JM" smtClean="0"/>
               <a:pPr/>
-              <a:t>‹#›</a:t>
+              <a:t>‹Nr.›</a:t>
             </a:fld>
             <a:endParaRPr lang="en-JM"/>
           </a:p>
@@ -5057,7 +5057,7 @@
             <a:fld id="{8DF5134D-7C6B-4A7B-B28B-A8C75F870448}" type="slidenum">
               <a:rPr lang="en-JM" smtClean="0"/>
               <a:pPr/>
-              <a:t>‹#›</a:t>
+              <a:t>‹Nr.›</a:t>
             </a:fld>
             <a:endParaRPr lang="en-JM"/>
           </a:p>
@@ -5605,7 +5605,7 @@
             <a:fld id="{8DF5134D-7C6B-4A7B-B28B-A8C75F870448}" type="slidenum">
               <a:rPr lang="en-JM" smtClean="0"/>
               <a:pPr/>
-              <a:t>‹#›</a:t>
+              <a:t>‹Nr.›</a:t>
             </a:fld>
             <a:endParaRPr lang="en-JM"/>
           </a:p>
@@ -6071,7 +6071,7 @@
             <a:fld id="{8DF5134D-7C6B-4A7B-B28B-A8C75F870448}" type="slidenum">
               <a:rPr lang="en-JM" smtClean="0"/>
               <a:pPr/>
-              <a:t>‹#›</a:t>
+              <a:t>‹Nr.›</a:t>
             </a:fld>
             <a:endParaRPr lang="en-JM"/>
           </a:p>
@@ -6427,7 +6427,7 @@
             <a:fld id="{8DF5134D-7C6B-4A7B-B28B-A8C75F870448}" type="slidenum">
               <a:rPr lang="en-JM" smtClean="0"/>
               <a:pPr/>
-              <a:t>‹#›</a:t>
+              <a:t>‹Nr.›</a:t>
             </a:fld>
             <a:endParaRPr lang="en-JM"/>
           </a:p>
@@ -7323,7 +7323,7 @@
             <a:fld id="{8DF5134D-7C6B-4A7B-B28B-A8C75F870448}" type="slidenum">
               <a:rPr lang="en-JM" smtClean="0"/>
               <a:pPr/>
-              <a:t>‹#›</a:t>
+              <a:t>‹Nr.›</a:t>
             </a:fld>
             <a:endParaRPr lang="en-JM"/>
           </a:p>
@@ -7663,7 +7663,7 @@
             <a:fld id="{8DF5134D-7C6B-4A7B-B28B-A8C75F870448}" type="slidenum">
               <a:rPr lang="en-JM" smtClean="0"/>
               <a:pPr/>
-              <a:t>‹#›</a:t>
+              <a:t>‹Nr.›</a:t>
             </a:fld>
             <a:endParaRPr lang="en-JM"/>
           </a:p>
@@ -7952,7 +7952,7 @@
             <a:fld id="{8DF5134D-7C6B-4A7B-B28B-A8C75F870448}" type="slidenum">
               <a:rPr lang="en-JM" smtClean="0"/>
               <a:pPr/>
-              <a:t>‹#›</a:t>
+              <a:t>‹Nr.›</a:t>
             </a:fld>
             <a:endParaRPr lang="en-JM"/>
           </a:p>
@@ -8325,7 +8325,7 @@
             <a:fld id="{8DF5134D-7C6B-4A7B-B28B-A8C75F870448}" type="slidenum">
               <a:rPr lang="en-JM" smtClean="0"/>
               <a:pPr/>
-              <a:t>‹#›</a:t>
+              <a:t>‹Nr.›</a:t>
             </a:fld>
             <a:endParaRPr lang="en-JM"/>
           </a:p>
@@ -8507,7 +8507,7 @@
             <a:fld id="{8DF5134D-7C6B-4A7B-B28B-A8C75F870448}" type="slidenum">
               <a:rPr lang="en-JM" smtClean="0"/>
               <a:pPr/>
-              <a:t>‹#›</a:t>
+              <a:t>‹Nr.›</a:t>
             </a:fld>
             <a:endParaRPr lang="en-JM"/>
           </a:p>
@@ -8858,7 +8858,7 @@
             <a:fld id="{8DF5134D-7C6B-4A7B-B28B-A8C75F870448}" type="slidenum">
               <a:rPr lang="en-JM" smtClean="0"/>
               <a:pPr/>
-              <a:t>‹#›</a:t>
+              <a:t>‹Nr.›</a:t>
             </a:fld>
             <a:endParaRPr lang="en-JM"/>
           </a:p>
@@ -9219,7 +9219,7 @@
             <a:fld id="{8DF5134D-7C6B-4A7B-B28B-A8C75F870448}" type="slidenum">
               <a:rPr lang="en-JM" smtClean="0"/>
               <a:pPr/>
-              <a:t>‹#›</a:t>
+              <a:t>‹Nr.›</a:t>
             </a:fld>
             <a:endParaRPr lang="en-JM"/>
           </a:p>
@@ -9329,7 +9329,7 @@
             <a:fld id="{8DF5134D-7C6B-4A7B-B28B-A8C75F870448}" type="slidenum">
               <a:rPr lang="en-JM" smtClean="0"/>
               <a:pPr/>
-              <a:t>‹#›</a:t>
+              <a:t>‹Nr.›</a:t>
             </a:fld>
             <a:endParaRPr lang="en-JM"/>
           </a:p>
@@ -9899,7 +9899,7 @@
             <a:fld id="{8DF5134D-7C6B-4A7B-B28B-A8C75F870448}" type="slidenum">
               <a:rPr lang="en-JM" smtClean="0"/>
               <a:pPr/>
-              <a:t>‹#›</a:t>
+              <a:t>‹Nr.›</a:t>
             </a:fld>
             <a:endParaRPr lang="en-JM"/>
           </a:p>
@@ -10444,7 +10444,7 @@
             <a:fld id="{8DF5134D-7C6B-4A7B-B28B-A8C75F870448}" type="slidenum">
               <a:rPr lang="en-JM" smtClean="0"/>
               <a:pPr/>
-              <a:t>‹#›</a:t>
+              <a:t>‹Nr.›</a:t>
             </a:fld>
             <a:endParaRPr lang="en-JM"/>
           </a:p>
@@ -10741,7 +10741,7 @@
             <a:fld id="{8DF5134D-7C6B-4A7B-B28B-A8C75F870448}" type="slidenum">
               <a:rPr lang="en-JM" smtClean="0"/>
               <a:pPr/>
-              <a:t>‹#›</a:t>
+              <a:t>‹Nr.›</a:t>
             </a:fld>
             <a:endParaRPr lang="en-JM"/>
           </a:p>
@@ -11465,7 +11465,7 @@
             <a:fld id="{8DF5134D-7C6B-4A7B-B28B-A8C75F870448}" type="slidenum">
               <a:rPr lang="en-JM" smtClean="0"/>
               <a:pPr/>
-              <a:t>‹#›</a:t>
+              <a:t>‹Nr.›</a:t>
             </a:fld>
             <a:endParaRPr lang="en-JM"/>
           </a:p>
@@ -11897,7 +11897,7 @@
             <a:fld id="{8DF5134D-7C6B-4A7B-B28B-A8C75F870448}" type="slidenum">
               <a:rPr lang="en-JM" smtClean="0"/>
               <a:pPr/>
-              <a:t>‹#›</a:t>
+              <a:t>‹Nr.›</a:t>
             </a:fld>
             <a:endParaRPr lang="en-JM"/>
           </a:p>
@@ -12007,7 +12007,7 @@
             <a:fld id="{8DF5134D-7C6B-4A7B-B28B-A8C75F870448}" type="slidenum">
               <a:rPr lang="en-JM" smtClean="0"/>
               <a:pPr/>
-              <a:t>‹#›</a:t>
+              <a:t>‹Nr.›</a:t>
             </a:fld>
             <a:endParaRPr lang="en-JM"/>
           </a:p>
@@ -12117,7 +12117,7 @@
             <a:fld id="{8DF5134D-7C6B-4A7B-B28B-A8C75F870448}" type="slidenum">
               <a:rPr lang="en-JM" smtClean="0"/>
               <a:pPr/>
-              <a:t>‹#›</a:t>
+              <a:t>‹Nr.›</a:t>
             </a:fld>
             <a:endParaRPr lang="en-JM"/>
           </a:p>
@@ -12625,7 +12625,7 @@
             <a:fld id="{8DF5134D-7C6B-4A7B-B28B-A8C75F870448}" type="slidenum">
               <a:rPr lang="en-JM" smtClean="0"/>
               <a:pPr/>
-              <a:t>‹#›</a:t>
+              <a:t>‹Nr.›</a:t>
             </a:fld>
             <a:endParaRPr lang="en-JM"/>
           </a:p>
@@ -13139,7 +13139,7 @@
             <a:fld id="{8DF5134D-7C6B-4A7B-B28B-A8C75F870448}" type="slidenum">
               <a:rPr lang="en-JM" smtClean="0"/>
               <a:pPr/>
-              <a:t>‹#›</a:t>
+              <a:t>‹Nr.›</a:t>
             </a:fld>
             <a:endParaRPr lang="en-JM"/>
           </a:p>
@@ -13749,7 +13749,7 @@
             <a:fld id="{8DF5134D-7C6B-4A7B-B28B-A8C75F870448}" type="slidenum">
               <a:rPr lang="en-JM" smtClean="0"/>
               <a:pPr/>
-              <a:t>‹#›</a:t>
+              <a:t>‹Nr.›</a:t>
             </a:fld>
             <a:endParaRPr lang="en-JM"/>
           </a:p>
@@ -14637,14 +14637,21 @@
   <p:clrMapOvr>
     <a:masterClrMapping/>
   </p:clrMapOvr>
-  <mc:AlternateContent xmlns:mc="http://schemas.openxmlformats.org/markup-compatibility/2006">
-    <mc:Choice xmlns:p14="http://schemas.microsoft.com/office/powerpoint/2010/main" Requires="p14">
+  <mc:AlternateContent xmlns:mc="http://schemas.openxmlformats.org/markup-compatibility/2006" xmlns:p14="http://schemas.microsoft.com/office/powerpoint/2010/main">
+    <mc:Choice Requires="p14">
       <p:transition spd="slow" p14:dur="2000"/>
     </mc:Choice>
-    <mc:Fallback>
+    <mc:Fallback xmlns="">
       <p:transition spd="slow"/>
     </mc:Fallback>
   </mc:AlternateContent>
+  <p:timing>
+    <p:tnLst>
+      <p:par>
+        <p:cTn id="1" dur="indefinite" restart="never" nodeType="tmRoot"/>
+      </p:par>
+    </p:tnLst>
+  </p:timing>
 </p:sld>
 </file>
 
@@ -15799,7 +15806,7 @@
                 <a:latin typeface="Arial" pitchFamily="34" charset="0"/>
                 <a:cs typeface="Arial" pitchFamily="34" charset="0"/>
               </a:rPr>
-              <a:t>Übersich</a:t>
+              <a:t>Übersicht</a:t>
             </a:r>
             <a:r>
               <a:rPr lang="en-JM" sz="1200" dirty="0" smtClean="0">
@@ -15812,7 +15819,20 @@
                 <a:latin typeface="Arial" pitchFamily="34" charset="0"/>
                 <a:cs typeface="Arial" pitchFamily="34" charset="0"/>
               </a:rPr>
-              <a:t> über die </a:t>
+              <a:t> </a:t>
+            </a:r>
+            <a:r>
+              <a:rPr lang="en-JM" sz="1200" dirty="0" smtClean="0">
+                <a:solidFill>
+                  <a:schemeClr val="tx1">
+                    <a:lumMod val="85000"/>
+                    <a:lumOff val="15000"/>
+                  </a:schemeClr>
+                </a:solidFill>
+                <a:latin typeface="Arial" pitchFamily="34" charset="0"/>
+                <a:cs typeface="Arial" pitchFamily="34" charset="0"/>
+              </a:rPr>
+              <a:t>über die </a:t>
             </a:r>
             <a:r>
               <a:rPr lang="en-JM" sz="1200" dirty="0" err="1" smtClean="0">
@@ -16525,12 +16545,10 @@
                   </a:schemeClr>
                 </a:solidFill>
               </a:rPr>
-              <a:t> der</a:t>
-            </a:r>
-          </a:p>
-          <a:p>
-            <a:r>
-              <a:rPr lang="en-JM" sz="1050" dirty="0" err="1" smtClean="0">
+              <a:t> </a:t>
+            </a:r>
+            <a:r>
+              <a:rPr lang="en-JM" sz="1050" dirty="0" smtClean="0">
                 <a:solidFill>
                   <a:schemeClr val="tx1">
                     <a:lumMod val="75000"/>
@@ -16538,7 +16556,28 @@
                   </a:schemeClr>
                 </a:solidFill>
               </a:rPr>
-              <a:t>Grundscore</a:t>
+              <a:t>des</a:t>
+            </a:r>
+            <a:endParaRPr lang="en-JM" sz="1050" dirty="0" smtClean="0">
+              <a:solidFill>
+                <a:schemeClr val="tx1">
+                  <a:lumMod val="75000"/>
+                  <a:lumOff val="25000"/>
+                </a:schemeClr>
+              </a:solidFill>
+            </a:endParaRPr>
+          </a:p>
+          <a:p>
+            <a:r>
+              <a:rPr lang="en-JM" sz="1050" dirty="0" err="1" smtClean="0">
+                <a:solidFill>
+                  <a:schemeClr val="tx1">
+                    <a:lumMod val="75000"/>
+                    <a:lumOff val="25000"/>
+                  </a:schemeClr>
+                </a:solidFill>
+              </a:rPr>
+              <a:t>Grundscores</a:t>
             </a:r>
             <a:r>
               <a:rPr lang="en-JM" sz="1050" dirty="0" smtClean="0">
@@ -16574,146 +16613,6 @@
       </p:sp>
       <p:sp>
         <p:nvSpPr>
-          <p:cNvPr id="13" name="Content Placeholder 12"/>
-          <p:cNvSpPr>
-            <a:spLocks noGrp="1"/>
-          </p:cNvSpPr>
-          <p:nvPr>
-            <p:ph sz="quarter" idx="27"/>
-          </p:nvPr>
-        </p:nvSpPr>
-        <p:spPr>
-          <a:xfrm>
-            <a:off x="6400800" y="3486150"/>
-            <a:ext cx="1901952" cy="990600"/>
-          </a:xfrm>
-        </p:spPr>
-        <p:txBody>
-          <a:bodyPr/>
-          <a:lstStyle/>
-          <a:p>
-            <a:r>
-              <a:rPr lang="en-JM" sz="1050" dirty="0" smtClean="0">
-                <a:solidFill>
-                  <a:schemeClr val="tx1">
-                    <a:lumMod val="75000"/>
-                    <a:lumOff val="25000"/>
-                  </a:schemeClr>
-                </a:solidFill>
-              </a:rPr>
-              <a:t>Note </a:t>
-            </a:r>
-            <a:r>
-              <a:rPr lang="en-JM" sz="1050" dirty="0" err="1" smtClean="0">
-                <a:solidFill>
-                  <a:schemeClr val="tx1">
-                    <a:lumMod val="75000"/>
-                    <a:lumOff val="25000"/>
-                  </a:schemeClr>
-                </a:solidFill>
-              </a:rPr>
-              <a:t>wird</a:t>
-            </a:r>
-            <a:r>
-              <a:rPr lang="en-JM" sz="1050" dirty="0" smtClean="0">
-                <a:solidFill>
-                  <a:schemeClr val="tx1">
-                    <a:lumMod val="75000"/>
-                    <a:lumOff val="25000"/>
-                  </a:schemeClr>
-                </a:solidFill>
-              </a:rPr>
-              <a:t> </a:t>
-            </a:r>
-            <a:r>
-              <a:rPr lang="en-JM" sz="1050" dirty="0" err="1" smtClean="0">
-                <a:solidFill>
-                  <a:schemeClr val="tx1">
-                    <a:lumMod val="75000"/>
-                    <a:lumOff val="25000"/>
-                  </a:schemeClr>
-                </a:solidFill>
-              </a:rPr>
-              <a:t>anhand</a:t>
-            </a:r>
-            <a:endParaRPr lang="en-JM" sz="1050" dirty="0">
-              <a:solidFill>
-                <a:schemeClr val="tx1">
-                  <a:lumMod val="75000"/>
-                  <a:lumOff val="25000"/>
-                </a:schemeClr>
-              </a:solidFill>
-            </a:endParaRPr>
-          </a:p>
-          <a:p>
-            <a:r>
-              <a:rPr lang="en-JM" sz="1050" dirty="0" err="1">
-                <a:solidFill>
-                  <a:schemeClr val="tx1">
-                    <a:lumMod val="75000"/>
-                    <a:lumOff val="25000"/>
-                  </a:schemeClr>
-                </a:solidFill>
-              </a:rPr>
-              <a:t>k</a:t>
-            </a:r>
-            <a:r>
-              <a:rPr lang="en-JM" sz="1050" dirty="0" err="1" smtClean="0">
-                <a:solidFill>
-                  <a:schemeClr val="tx1">
-                    <a:lumMod val="75000"/>
-                    <a:lumOff val="25000"/>
-                  </a:schemeClr>
-                </a:solidFill>
-              </a:rPr>
-              <a:t>onfigurierter</a:t>
-            </a:r>
-            <a:r>
-              <a:rPr lang="en-JM" sz="1050" dirty="0" smtClean="0">
-                <a:solidFill>
-                  <a:schemeClr val="tx1">
-                    <a:lumMod val="75000"/>
-                    <a:lumOff val="25000"/>
-                  </a:schemeClr>
-                </a:solidFill>
-              </a:rPr>
-              <a:t> Parameter </a:t>
-            </a:r>
-            <a:r>
-              <a:rPr lang="en-JM" sz="1050" dirty="0" err="1" smtClean="0">
-                <a:solidFill>
-                  <a:schemeClr val="tx1">
-                    <a:lumMod val="75000"/>
-                    <a:lumOff val="25000"/>
-                  </a:schemeClr>
-                </a:solidFill>
-              </a:rPr>
-              <a:t>ermittelt</a:t>
-            </a:r>
-            <a:r>
-              <a:rPr lang="en-JM" sz="1050" dirty="0" smtClean="0">
-                <a:solidFill>
-                  <a:schemeClr val="tx1">
-                    <a:lumMod val="75000"/>
-                    <a:lumOff val="25000"/>
-                  </a:schemeClr>
-                </a:solidFill>
-              </a:rPr>
-              <a:t>.</a:t>
-            </a:r>
-            <a:endParaRPr lang="en-JM" sz="1050" dirty="0">
-              <a:solidFill>
-                <a:schemeClr val="tx1">
-                  <a:lumMod val="75000"/>
-                  <a:lumOff val="25000"/>
-                </a:schemeClr>
-              </a:solidFill>
-            </a:endParaRPr>
-          </a:p>
-        </p:txBody>
-      </p:sp>
-      <p:sp>
-        <p:nvSpPr>
           <p:cNvPr id="15" name="Content Placeholder 14"/>
           <p:cNvSpPr>
             <a:spLocks noGrp="1"/>
@@ -16783,8 +16682,9 @@
                     <a:lumOff val="25000"/>
                   </a:schemeClr>
                 </a:solidFill>
+                <a:sym typeface="Wingdings" panose="05000000000000000000" pitchFamily="2" charset="2"/>
               </a:rPr>
-              <a:t>-&gt; </a:t>
+              <a:t></a:t>
             </a:r>
             <a:r>
               <a:rPr lang="en-JM" sz="1050" dirty="0" err="1" smtClean="0">
@@ -16992,6 +16892,139 @@
           </a:xfrm>
         </p:spPr>
       </p:pic>
+      <p:sp>
+        <p:nvSpPr>
+          <p:cNvPr id="23" name="Content Placeholder 11"/>
+          <p:cNvSpPr>
+            <a:spLocks noGrp="1"/>
+          </p:cNvSpPr>
+          <p:nvPr>
+            <p:ph sz="quarter" idx="26"/>
+          </p:nvPr>
+        </p:nvSpPr>
+        <p:spPr>
+          <a:xfrm>
+            <a:off x="6473825" y="3562350"/>
+            <a:ext cx="1901952" cy="990600"/>
+          </a:xfrm>
+        </p:spPr>
+        <p:txBody>
+          <a:bodyPr/>
+          <a:lstStyle/>
+          <a:p>
+            <a:r>
+              <a:rPr lang="en-JM" sz="1050" dirty="0" smtClean="0">
+                <a:solidFill>
+                  <a:schemeClr val="tx1">
+                    <a:lumMod val="75000"/>
+                    <a:lumOff val="25000"/>
+                  </a:schemeClr>
+                </a:solidFill>
+              </a:rPr>
+              <a:t>Note </a:t>
+            </a:r>
+            <a:r>
+              <a:rPr lang="en-JM" sz="1050" dirty="0" err="1" smtClean="0">
+                <a:solidFill>
+                  <a:schemeClr val="tx1">
+                    <a:lumMod val="75000"/>
+                    <a:lumOff val="25000"/>
+                  </a:schemeClr>
+                </a:solidFill>
+              </a:rPr>
+              <a:t>wird</a:t>
+            </a:r>
+            <a:r>
+              <a:rPr lang="en-JM" sz="1050" dirty="0" smtClean="0">
+                <a:solidFill>
+                  <a:schemeClr val="tx1">
+                    <a:lumMod val="75000"/>
+                    <a:lumOff val="25000"/>
+                  </a:schemeClr>
+                </a:solidFill>
+              </a:rPr>
+              <a:t> </a:t>
+            </a:r>
+            <a:r>
+              <a:rPr lang="en-JM" sz="1050" dirty="0" err="1" smtClean="0">
+                <a:solidFill>
+                  <a:schemeClr val="tx1">
+                    <a:lumMod val="75000"/>
+                    <a:lumOff val="25000"/>
+                  </a:schemeClr>
+                </a:solidFill>
+              </a:rPr>
+              <a:t>anhand</a:t>
+            </a:r>
+            <a:r>
+              <a:rPr lang="en-JM" sz="1050" dirty="0" smtClean="0">
+                <a:solidFill>
+                  <a:schemeClr val="tx1">
+                    <a:lumMod val="75000"/>
+                    <a:lumOff val="25000"/>
+                  </a:schemeClr>
+                </a:solidFill>
+              </a:rPr>
+              <a:t> </a:t>
+            </a:r>
+          </a:p>
+          <a:p>
+            <a:r>
+              <a:rPr lang="en-JM" sz="1050" dirty="0" err="1" smtClean="0">
+                <a:solidFill>
+                  <a:schemeClr val="tx1">
+                    <a:lumMod val="75000"/>
+                    <a:lumOff val="25000"/>
+                  </a:schemeClr>
+                </a:solidFill>
+              </a:rPr>
+              <a:t>Konfigurierter</a:t>
+            </a:r>
+            <a:r>
+              <a:rPr lang="en-JM" sz="1050" dirty="0" smtClean="0">
+                <a:solidFill>
+                  <a:schemeClr val="tx1">
+                    <a:lumMod val="75000"/>
+                    <a:lumOff val="25000"/>
+                  </a:schemeClr>
+                </a:solidFill>
+              </a:rPr>
+              <a:t> Parameter</a:t>
+            </a:r>
+          </a:p>
+          <a:p>
+            <a:r>
+              <a:rPr lang="en-JM" sz="1050" dirty="0" err="1" smtClean="0">
+                <a:solidFill>
+                  <a:schemeClr val="tx1">
+                    <a:lumMod val="75000"/>
+                    <a:lumOff val="25000"/>
+                  </a:schemeClr>
+                </a:solidFill>
+              </a:rPr>
+              <a:t>ermittelt</a:t>
+            </a:r>
+            <a:endParaRPr lang="en-JM" sz="1050" dirty="0">
+              <a:solidFill>
+                <a:schemeClr val="tx1">
+                  <a:lumMod val="75000"/>
+                  <a:lumOff val="25000"/>
+                </a:schemeClr>
+              </a:solidFill>
+            </a:endParaRPr>
+          </a:p>
+          <a:p>
+            <a:endParaRPr lang="en-JM" sz="1050" dirty="0">
+              <a:solidFill>
+                <a:schemeClr val="tx1">
+                  <a:lumMod val="75000"/>
+                  <a:lumOff val="25000"/>
+                </a:schemeClr>
+              </a:solidFill>
+            </a:endParaRPr>
+          </a:p>
+        </p:txBody>
+      </p:sp>
     </p:spTree>
     <p:extLst>
       <p:ext uri="{BB962C8B-B14F-4D97-AF65-F5344CB8AC3E}">
@@ -17225,6 +17258,27 @@
               <a:t> und </a:t>
             </a:r>
             <a:r>
+              <a:rPr lang="en-JM" sz="1100" dirty="0" smtClean="0">
+                <a:solidFill>
+                  <a:schemeClr val="tx1">
+                    <a:lumMod val="75000"/>
+                    <a:lumOff val="25000"/>
+                  </a:schemeClr>
+                </a:solidFill>
+              </a:rPr>
+              <a:t/>
+            </a:r>
+            <a:br>
+              <a:rPr lang="en-JM" sz="1100" dirty="0" smtClean="0">
+                <a:solidFill>
+                  <a:schemeClr val="tx1">
+                    <a:lumMod val="75000"/>
+                    <a:lumOff val="25000"/>
+                  </a:schemeClr>
+                </a:solidFill>
+              </a:rPr>
+            </a:br>
+            <a:r>
               <a:rPr lang="en-JM" sz="1100" dirty="0" err="1" smtClean="0">
                 <a:solidFill>
                   <a:schemeClr val="tx1">
@@ -17391,7 +17445,7 @@
                   </a:schemeClr>
                 </a:solidFill>
               </a:rPr>
-              <a:t>Datensicherheit</a:t>
+              <a:t>Hohe</a:t>
             </a:r>
             <a:r>
               <a:rPr lang="en-JM" sz="1100" dirty="0" smtClean="0">
@@ -17413,29 +17467,7 @@
                   </a:schemeClr>
                 </a:solidFill>
               </a:rPr>
-              <a:t>ist</a:t>
-            </a:r>
-            <a:r>
-              <a:rPr lang="en-JM" sz="1100" dirty="0" smtClean="0">
-                <a:solidFill>
-                  <a:schemeClr val="tx1">
-                    <a:lumMod val="75000"/>
-                    <a:lumOff val="25000"/>
-                  </a:schemeClr>
-                </a:solidFill>
-              </a:rPr>
-              <a:t> </a:t>
-            </a:r>
-            <a:r>
-              <a:rPr lang="en-JM" sz="1100" dirty="0" err="1" smtClean="0">
-                <a:solidFill>
-                  <a:schemeClr val="tx1">
-                    <a:lumMod val="75000"/>
-                    <a:lumOff val="25000"/>
-                  </a:schemeClr>
-                </a:solidFill>
-              </a:rPr>
-              <a:t>Pflicht</a:t>
+              <a:t>Datensicherheit</a:t>
             </a:r>
             <a:endParaRPr lang="en-JM" sz="1100" dirty="0">
               <a:solidFill>
@@ -17757,7 +17789,6 @@
               <a:rPr lang="en-JM" dirty="0"/>
               <a:t>DLS - SOFTWARE</a:t>
             </a:r>
-            <a:endParaRPr lang="en-JM" dirty="0"/>
           </a:p>
         </p:txBody>
       </p:sp>
@@ -18929,7 +18960,6 @@
               <a:rPr lang="en-JM" dirty="0"/>
               <a:t>DLS - SOFTWARE</a:t>
             </a:r>
-            <a:endParaRPr lang="en-JM" dirty="0"/>
           </a:p>
         </p:txBody>
       </p:sp>
@@ -19180,7 +19210,40 @@
                   </a:schemeClr>
                 </a:solidFill>
               </a:rPr>
-              <a:t> über DMS</a:t>
+              <a:t> </a:t>
+            </a:r>
+            <a:r>
+              <a:rPr lang="en-JM" dirty="0" err="1" smtClean="0">
+                <a:solidFill>
+                  <a:schemeClr val="tx1">
+                    <a:lumMod val="75000"/>
+                    <a:lumOff val="25000"/>
+                  </a:schemeClr>
+                </a:solidFill>
+              </a:rPr>
+              <a:t>über</a:t>
+            </a:r>
+            <a:r>
+              <a:rPr lang="en-JM" dirty="0" smtClean="0">
+                <a:solidFill>
+                  <a:schemeClr val="tx1">
+                    <a:lumMod val="75000"/>
+                    <a:lumOff val="25000"/>
+                  </a:schemeClr>
+                </a:solidFill>
+              </a:rPr>
+              <a:t> </a:t>
+            </a:r>
+            <a:r>
+              <a:rPr lang="en-JM" dirty="0" smtClean="0">
+                <a:solidFill>
+                  <a:schemeClr val="tx1">
+                    <a:lumMod val="75000"/>
+                    <a:lumOff val="25000"/>
+                  </a:schemeClr>
+                </a:solidFill>
+              </a:rPr>
+              <a:t>DBMS</a:t>
             </a:r>
             <a:endParaRPr lang="en-JM" sz="1100" dirty="0">
               <a:solidFill>
@@ -19678,7 +19741,6 @@
               <a:rPr lang="en-JM" dirty="0"/>
               <a:t>DLS - SOFTWARE</a:t>
             </a:r>
-            <a:endParaRPr lang="en-JM" dirty="0"/>
           </a:p>
         </p:txBody>
       </p:sp>
@@ -19723,7 +19785,7 @@
         </p:nvSpPr>
         <p:spPr>
           <a:xfrm>
-            <a:off x="4876800" y="1200150"/>
+            <a:off x="4876800" y="1238250"/>
             <a:ext cx="2667000" cy="533400"/>
           </a:xfrm>
         </p:spPr>
@@ -19757,7 +19819,7 @@
         </p:nvSpPr>
         <p:spPr>
           <a:xfrm>
-            <a:off x="4876800" y="1809750"/>
+            <a:off x="4876800" y="1857780"/>
             <a:ext cx="2667000" cy="533400"/>
           </a:xfrm>
         </p:spPr>
@@ -19791,7 +19853,7 @@
         </p:nvSpPr>
         <p:spPr>
           <a:xfrm>
-            <a:off x="4876800" y="2419350"/>
+            <a:off x="4876800" y="2466975"/>
             <a:ext cx="2667000" cy="533400"/>
           </a:xfrm>
         </p:spPr>
@@ -19827,7 +19889,7 @@
         </p:nvSpPr>
         <p:spPr>
           <a:xfrm>
-            <a:off x="4876800" y="3028950"/>
+            <a:off x="4876800" y="3173998"/>
             <a:ext cx="2667000" cy="533400"/>
           </a:xfrm>
         </p:spPr>
@@ -20056,7 +20118,7 @@
         </p:nvSpPr>
         <p:spPr>
           <a:xfrm>
-            <a:off x="4876800" y="3657600"/>
+            <a:off x="4876800" y="3802648"/>
             <a:ext cx="2667000" cy="533400"/>
           </a:xfrm>
           <a:prstGeom prst="rect">
@@ -20577,7 +20639,6 @@
               <a:rPr lang="en-JM" dirty="0"/>
               <a:t>DLS - SOFTWARE</a:t>
             </a:r>
-            <a:endParaRPr lang="en-JM" dirty="0"/>
           </a:p>
         </p:txBody>
       </p:sp>
